--- a/slides-steve/Chapter 14.pptx
+++ b/slides-steve/Chapter 14.pptx
@@ -148,6 +148,22 @@
       </a:defRPr>
     </a:lvl9pPr>
   </p:defaultTextStyle>
+  <p:extLst>
+    <p:ext uri="{EFAFB233-063F-42B5-8137-9DF3F51BA10A}">
+      <p15:sldGuideLst xmlns:p15="http://schemas.microsoft.com/office/powerpoint/2012/main">
+        <p15:guide id="1" orient="horz" pos="2160">
+          <p15:clr>
+            <a:srgbClr val="A4A3A4"/>
+          </p15:clr>
+        </p15:guide>
+        <p15:guide id="2" pos="2880">
+          <p15:clr>
+            <a:srgbClr val="A4A3A4"/>
+          </p15:clr>
+        </p15:guide>
+      </p15:sldGuideLst>
+    </p:ext>
+  </p:extLst>
 </p:presentation>
 </file>
 
@@ -233,7 +249,7 @@
           <a:p>
             <a:fld id="{70D40B86-AEE1-484B-B6E2-CAD0C0B2DD1A}" type="datetimeFigureOut">
               <a:rPr lang="en-US" smtClean="0"/>
-              <a:t>11/16/15</a:t>
+              <a:t>11/7/16</a:t>
             </a:fld>
             <a:endParaRPr lang="en-US"/>
           </a:p>
@@ -399,7 +415,7 @@
           <a:p>
             <a:fld id="{E69D4417-1F13-B143-97F8-00800D29B7B3}" type="datetimeFigureOut">
               <a:rPr lang="en-US" smtClean="0"/>
-              <a:t>11/15/15</a:t>
+              <a:t>11/7/16</a:t>
             </a:fld>
             <a:endParaRPr lang="en-US"/>
           </a:p>
@@ -2524,7 +2540,11 @@
           <a:p>
             <a:r>
               <a:rPr lang="en-US" dirty="0" smtClean="0"/>
-              <a:t>Chapter Fourteen</a:t>
+              <a:t>Chapter </a:t>
+            </a:r>
+            <a:r>
+              <a:rPr lang="en-US" dirty="0" smtClean="0"/>
+              <a:t>14</a:t>
             </a:r>
             <a:endParaRPr lang="en-US" dirty="0"/>
           </a:p>
@@ -2565,13 +2585,13 @@
   <p:clrMapOvr>
     <a:masterClrMapping/>
   </p:clrMapOvr>
-  <mc:AlternateContent xmlns:mc="http://schemas.openxmlformats.org/markup-compatibility/2006">
-    <mc:Choice xmlns:p14="http://schemas.microsoft.com/office/powerpoint/2010/main" Requires="p14">
+  <mc:AlternateContent xmlns:mc="http://schemas.openxmlformats.org/markup-compatibility/2006" xmlns:p14="http://schemas.microsoft.com/office/powerpoint/2010/main">
+    <mc:Choice Requires="p14">
       <p:transition spd="slow" p14:dur="1200">
         <p14:prism/>
       </p:transition>
     </mc:Choice>
-    <mc:Fallback>
+    <mc:Fallback xmlns="">
       <p:transition xmlns:p14="http://schemas.microsoft.com/office/powerpoint/2010/main" spd="slow">
         <p:fade/>
       </p:transition>
@@ -2580,7 +2600,7 @@
   <p:timing>
     <p:tnLst>
       <p:par>
-        <p:cTn xmlns:p14="http://schemas.microsoft.com/office/powerpoint/2010/main" id="1" dur="indefinite" restart="never" nodeType="tmRoot"/>
+        <p:cTn id="1" dur="indefinite" restart="never" nodeType="tmRoot"/>
       </p:par>
     </p:tnLst>
   </p:timing>
@@ -2754,7 +2774,7 @@
   <p:timing>
     <p:tnLst>
       <p:par>
-        <p:cTn xmlns:p14="http://schemas.microsoft.com/office/powerpoint/2010/main" id="1" dur="indefinite" restart="never" nodeType="tmRoot"/>
+        <p:cTn id="1" dur="indefinite" restart="never" nodeType="tmRoot"/>
       </p:par>
     </p:tnLst>
   </p:timing>
@@ -2908,7 +2928,7 @@
   <p:timing>
     <p:tnLst>
       <p:par>
-        <p:cTn xmlns:p14="http://schemas.microsoft.com/office/powerpoint/2010/main" id="1" dur="indefinite" restart="never" nodeType="tmRoot"/>
+        <p:cTn id="1" dur="indefinite" restart="never" nodeType="tmRoot"/>
       </p:par>
     </p:tnLst>
   </p:timing>
@@ -3092,7 +3112,7 @@
   <p:timing>
     <p:tnLst>
       <p:par>
-        <p:cTn xmlns:p14="http://schemas.microsoft.com/office/powerpoint/2010/main" id="1" dur="indefinite" restart="never" nodeType="tmRoot"/>
+        <p:cTn id="1" dur="indefinite" restart="never" nodeType="tmRoot"/>
       </p:par>
     </p:tnLst>
   </p:timing>
@@ -3224,7 +3244,7 @@
   <p:timing>
     <p:tnLst>
       <p:par>
-        <p:cTn xmlns:p14="http://schemas.microsoft.com/office/powerpoint/2010/main" id="1" dur="indefinite" restart="never" nodeType="tmRoot"/>
+        <p:cTn id="1" dur="indefinite" restart="never" nodeType="tmRoot"/>
       </p:par>
     </p:tnLst>
   </p:timing>
@@ -3378,7 +3398,7 @@
   <p:timing>
     <p:tnLst>
       <p:par>
-        <p:cTn xmlns:p14="http://schemas.microsoft.com/office/powerpoint/2010/main" id="1" dur="indefinite" restart="never" nodeType="tmRoot"/>
+        <p:cTn id="1" dur="indefinite" restart="never" nodeType="tmRoot"/>
       </p:par>
     </p:tnLst>
   </p:timing>
@@ -3532,7 +3552,7 @@
   <p:timing>
     <p:tnLst>
       <p:par>
-        <p:cTn xmlns:p14="http://schemas.microsoft.com/office/powerpoint/2010/main" id="1" dur="indefinite" restart="never" nodeType="tmRoot"/>
+        <p:cTn id="1" dur="indefinite" restart="never" nodeType="tmRoot"/>
       </p:par>
     </p:tnLst>
   </p:timing>
@@ -3682,7 +3702,7 @@
   <p:timing>
     <p:tnLst>
       <p:par>
-        <p:cTn xmlns:p14="http://schemas.microsoft.com/office/powerpoint/2010/main" id="1" dur="indefinite" restart="never" nodeType="tmRoot"/>
+        <p:cTn id="1" dur="indefinite" restart="never" nodeType="tmRoot"/>
       </p:par>
     </p:tnLst>
   </p:timing>
@@ -3885,7 +3905,7 @@
   <p:timing>
     <p:tnLst>
       <p:par>
-        <p:cTn xmlns:p14="http://schemas.microsoft.com/office/powerpoint/2010/main" id="1" dur="indefinite" restart="never" nodeType="tmRoot"/>
+        <p:cTn id="1" dur="indefinite" restart="never" nodeType="tmRoot"/>
       </p:par>
     </p:tnLst>
   </p:timing>
@@ -4033,7 +4053,7 @@
   <p:timing>
     <p:tnLst>
       <p:par>
-        <p:cTn xmlns:p14="http://schemas.microsoft.com/office/powerpoint/2010/main" id="1" dur="indefinite" restart="never" nodeType="tmRoot"/>
+        <p:cTn id="1" dur="indefinite" restart="never" nodeType="tmRoot"/>
       </p:par>
     </p:tnLst>
   </p:timing>
@@ -4193,7 +4213,7 @@
   <p:timing>
     <p:tnLst>
       <p:par>
-        <p:cTn xmlns:p14="http://schemas.microsoft.com/office/powerpoint/2010/main" id="1" dur="indefinite" restart="never" nodeType="tmRoot"/>
+        <p:cTn id="1" dur="indefinite" restart="never" nodeType="tmRoot"/>
       </p:par>
     </p:tnLst>
   </p:timing>
@@ -4291,7 +4311,7 @@
           <a:bodyPr/>
           <a:lstStyle/>
           <a:p>
-            <a:endParaRPr lang="en-US"/>
+            <a:endParaRPr lang="en-US" dirty="0"/>
           </a:p>
         </p:txBody>
       </p:sp>
@@ -4354,7 +4374,7 @@
   <p:timing>
     <p:tnLst>
       <p:par>
-        <p:cTn xmlns:p14="http://schemas.microsoft.com/office/powerpoint/2010/main" id="1" dur="indefinite" restart="never" nodeType="tmRoot"/>
+        <p:cTn id="1" dur="indefinite" restart="never" nodeType="tmRoot"/>
       </p:par>
     </p:tnLst>
   </p:timing>
@@ -4529,7 +4549,7 @@
   <p:timing>
     <p:tnLst>
       <p:par>
-        <p:cTn xmlns:p14="http://schemas.microsoft.com/office/powerpoint/2010/main" id="1" dur="indefinite" restart="never" nodeType="tmRoot"/>
+        <p:cTn id="1" dur="indefinite" restart="never" nodeType="tmRoot"/>
       </p:par>
     </p:tnLst>
   </p:timing>
@@ -5122,7 +5142,7 @@
         <p:spPr/>
         <p:txBody>
           <a:bodyPr>
-            <a:normAutofit fontScale="92500" lnSpcReduction="20000"/>
+            <a:normAutofit fontScale="92500" lnSpcReduction="10000"/>
           </a:bodyPr>
           <a:lstStyle/>
           <a:p>
@@ -6257,7 +6277,7 @@
   <p:timing>
     <p:tnLst>
       <p:par>
-        <p:cTn xmlns:p14="http://schemas.microsoft.com/office/powerpoint/2010/main" id="1" dur="indefinite" restart="never" nodeType="tmRoot"/>
+        <p:cTn id="1" dur="indefinite" restart="never" nodeType="tmRoot"/>
       </p:par>
     </p:tnLst>
   </p:timing>
@@ -6753,7 +6773,6 @@
               <a:rPr lang="en-US" dirty="0"/>
               <a:t> .dump</a:t>
             </a:r>
-            <a:endParaRPr lang="en-US" dirty="0"/>
           </a:p>
         </p:txBody>
       </p:sp>
@@ -6822,7 +6841,6 @@
               <a:rPr lang="en-US" dirty="0"/>
               <a:t>" VALUES(4,'searchbar-history','jumpcut' [...]</a:t>
             </a:r>
-            <a:endParaRPr lang="en-US" dirty="0"/>
           </a:p>
         </p:txBody>
       </p:sp>
@@ -6950,7 +6968,6 @@
               <a:rPr lang="en-US" dirty="0"/>
               <a:t> .dump</a:t>
             </a:r>
-            <a:endParaRPr lang="en-US" dirty="0"/>
           </a:p>
         </p:txBody>
       </p:sp>
@@ -7005,7 +7022,6 @@
               <a:rPr lang="en-US" dirty="0"/>
               <a:t>" VALUES(546,'fld_username', [...]</a:t>
             </a:r>
-            <a:endParaRPr lang="en-US" dirty="0"/>
           </a:p>
         </p:txBody>
       </p:sp>
@@ -8098,7 +8114,7 @@
   <p:timing>
     <p:tnLst>
       <p:par>
-        <p:cTn xmlns:p14="http://schemas.microsoft.com/office/powerpoint/2010/main" id="1" dur="indefinite" restart="never" nodeType="tmRoot"/>
+        <p:cTn id="1" dur="indefinite" restart="never" nodeType="tmRoot"/>
       </p:par>
     </p:tnLst>
   </p:timing>
@@ -8264,7 +8280,7 @@
   <p:timing>
     <p:tnLst>
       <p:par>
-        <p:cTn xmlns:p14="http://schemas.microsoft.com/office/powerpoint/2010/main" id="1" dur="indefinite" restart="never" nodeType="tmRoot"/>
+        <p:cTn id="1" dur="indefinite" restart="never" nodeType="tmRoot"/>
       </p:par>
     </p:tnLst>
   </p:timing>
@@ -8444,7 +8460,7 @@
   <p:timing>
     <p:tnLst>
       <p:par>
-        <p:cTn xmlns:p14="http://schemas.microsoft.com/office/powerpoint/2010/main" id="1" dur="indefinite" restart="never" nodeType="tmRoot"/>
+        <p:cTn id="1" dur="indefinite" restart="never" nodeType="tmRoot"/>
       </p:par>
     </p:tnLst>
   </p:timing>
@@ -8617,7 +8633,7 @@
   <p:timing>
     <p:tnLst>
       <p:par>
-        <p:cTn xmlns:p14="http://schemas.microsoft.com/office/powerpoint/2010/main" id="1" dur="indefinite" restart="never" nodeType="tmRoot"/>
+        <p:cTn id="1" dur="indefinite" restart="never" nodeType="tmRoot"/>
       </p:par>
     </p:tnLst>
   </p:timing>
@@ -8902,7 +8918,7 @@
   <p:timing>
     <p:tnLst>
       <p:par>
-        <p:cTn xmlns:p14="http://schemas.microsoft.com/office/powerpoint/2010/main" id="1" dur="indefinite" restart="never" nodeType="tmRoot"/>
+        <p:cTn id="1" dur="indefinite" restart="never" nodeType="tmRoot"/>
       </p:par>
     </p:tnLst>
   </p:timing>
@@ -9052,7 +9068,7 @@
   <p:timing>
     <p:tnLst>
       <p:par>
-        <p:cTn xmlns:p14="http://schemas.microsoft.com/office/powerpoint/2010/main" id="1" dur="indefinite" restart="never" nodeType="tmRoot"/>
+        <p:cTn id="1" dur="indefinite" restart="never" nodeType="tmRoot"/>
       </p:par>
     </p:tnLst>
   </p:timing>
